--- a/drone_seminar/Seminar_ROS기본개념_정재형_75%.pptx
+++ b/drone_seminar/Seminar_ROS기본개념_정재형_75%.pptx
@@ -5,7 +5,7 @@
     <p:sldMasterId id="2147483648" r:id="rId1"/>
   </p:sldMasterIdLst>
   <p:notesMasterIdLst>
-    <p:notesMasterId r:id="rId14"/>
+    <p:notesMasterId r:id="rId15"/>
   </p:notesMasterIdLst>
   <p:sldIdLst>
     <p:sldId id="256" r:id="rId2"/>
@@ -17,9 +17,10 @@
     <p:sldId id="292" r:id="rId8"/>
     <p:sldId id="296" r:id="rId9"/>
     <p:sldId id="293" r:id="rId10"/>
-    <p:sldId id="294" r:id="rId11"/>
-    <p:sldId id="267" r:id="rId12"/>
-    <p:sldId id="283" r:id="rId13"/>
+    <p:sldId id="298" r:id="rId11"/>
+    <p:sldId id="294" r:id="rId12"/>
+    <p:sldId id="267" r:id="rId13"/>
+    <p:sldId id="283" r:id="rId14"/>
   </p:sldIdLst>
   <p:sldSz cx="12192000" cy="6858000"/>
   <p:notesSz cx="6858000" cy="9144000"/>
@@ -4160,33 +4161,7 @@
                 <a:ea typeface="NanumSquareOTF ExtraBold" panose="020B0600000101010101" pitchFamily="34" charset="-127"/>
                 <a:cs typeface="Arial Black" panose="020B0604020202020204" pitchFamily="34" charset="0"/>
               </a:rPr>
-              <a:t>What is </a:t>
-            </a:r>
-            <a:r>
-              <a:rPr kumimoji="1" lang="en-US" altLang="ko-Kore-KR" sz="2600" b="1" dirty="0" err="1">
-                <a:solidFill>
-                  <a:schemeClr val="accent4">
-                    <a:lumMod val="75000"/>
-                  </a:schemeClr>
-                </a:solidFill>
-                <a:latin typeface="Arial Black" panose="020B0604020202020204" pitchFamily="34" charset="0"/>
-                <a:ea typeface="NanumSquareOTF ExtraBold" panose="020B0600000101010101" pitchFamily="34" charset="-127"/>
-                <a:cs typeface="Arial Black" panose="020B0604020202020204" pitchFamily="34" charset="0"/>
-              </a:rPr>
-              <a:t>tf</a:t>
-            </a:r>
-            <a:r>
-              <a:rPr kumimoji="1" lang="en-US" altLang="ko-Kore-KR" sz="2600" b="1" dirty="0">
-                <a:solidFill>
-                  <a:schemeClr val="accent4">
-                    <a:lumMod val="75000"/>
-                  </a:schemeClr>
-                </a:solidFill>
-                <a:latin typeface="Arial Black" panose="020B0604020202020204" pitchFamily="34" charset="0"/>
-                <a:ea typeface="NanumSquareOTF ExtraBold" panose="020B0600000101010101" pitchFamily="34" charset="-127"/>
-                <a:cs typeface="Arial Black" panose="020B0604020202020204" pitchFamily="34" charset="0"/>
-              </a:rPr>
-              <a:t>?</a:t>
+              <a:t>Basic concept of SLAM</a:t>
             </a:r>
           </a:p>
         </p:txBody>
@@ -4268,6 +4243,444 @@
         </p:nvSpPr>
         <p:spPr>
           <a:xfrm>
+            <a:off x="93578" y="6646179"/>
+            <a:ext cx="11729130" cy="1568888"/>
+          </a:xfrm>
+          <a:prstGeom prst="rect">
+            <a:avLst/>
+          </a:prstGeom>
+        </p:spPr>
+        <p:txBody>
+          <a:bodyPr vert="horz" lIns="91440" tIns="45720" rIns="91440" bIns="45720" rtlCol="0" anchor="b">
+            <a:noAutofit/>
+          </a:bodyPr>
+          <a:lstStyle>
+            <a:lvl1pPr algn="ctr" defTabSz="914400" rtl="0" eaLnBrk="1" latinLnBrk="0" hangingPunct="1">
+              <a:lnSpc>
+                <a:spcPct val="90000"/>
+              </a:lnSpc>
+              <a:spcBef>
+                <a:spcPct val="0"/>
+              </a:spcBef>
+              <a:buNone/>
+              <a:defRPr sz="6000" kern="1200">
+                <a:solidFill>
+                  <a:schemeClr val="tx1"/>
+                </a:solidFill>
+                <a:latin typeface="+mj-lt"/>
+                <a:ea typeface="+mj-ea"/>
+                <a:cs typeface="+mj-cs"/>
+              </a:defRPr>
+            </a:lvl1pPr>
+          </a:lstStyle>
+          <a:p>
+            <a:pPr algn="l"/>
+            <a:r>
+              <a:rPr lang="en-US" altLang="ko-KR" sz="1800" dirty="0">
+                <a:latin typeface="HY헤드라인M" panose="02030600000101010101" pitchFamily="18" charset="-127"/>
+                <a:ea typeface="HY헤드라인M" panose="02030600000101010101" pitchFamily="18" charset="-127"/>
+              </a:rPr>
+              <a:t>SLAM</a:t>
+            </a:r>
+            <a:r>
+              <a:rPr lang="ko-KR" altLang="en-US" sz="1800" dirty="0">
+                <a:latin typeface="HY헤드라인M" panose="02030600000101010101" pitchFamily="18" charset="-127"/>
+                <a:ea typeface="HY헤드라인M" panose="02030600000101010101" pitchFamily="18" charset="-127"/>
+              </a:rPr>
+              <a:t>이 무엇인지</a:t>
+            </a:r>
+            <a:r>
+              <a:rPr lang="en-US" altLang="ko-KR" sz="1800" dirty="0">
+                <a:latin typeface="HY헤드라인M" panose="02030600000101010101" pitchFamily="18" charset="-127"/>
+                <a:ea typeface="HY헤드라인M" panose="02030600000101010101" pitchFamily="18" charset="-127"/>
+              </a:rPr>
+              <a:t>, </a:t>
+            </a:r>
+            <a:r>
+              <a:rPr lang="ko-KR" altLang="en-US" sz="1800" dirty="0">
+                <a:latin typeface="HY헤드라인M" panose="02030600000101010101" pitchFamily="18" charset="-127"/>
+                <a:ea typeface="HY헤드라인M" panose="02030600000101010101" pitchFamily="18" charset="-127"/>
+              </a:rPr>
+              <a:t>원리와 개념</a:t>
+            </a:r>
+            <a:endParaRPr lang="en-US" altLang="ko-KR" sz="1800" dirty="0">
+              <a:latin typeface="HY헤드라인M" panose="02030600000101010101" pitchFamily="18" charset="-127"/>
+              <a:ea typeface="HY헤드라인M" panose="02030600000101010101" pitchFamily="18" charset="-127"/>
+            </a:endParaRPr>
+          </a:p>
+          <a:p>
+            <a:pPr algn="l"/>
+            <a:endParaRPr lang="en-US" altLang="ko-KR" sz="1800" dirty="0">
+              <a:latin typeface="HY헤드라인M" panose="02030600000101010101" pitchFamily="18" charset="-127"/>
+              <a:ea typeface="HY헤드라인M" panose="02030600000101010101" pitchFamily="18" charset="-127"/>
+            </a:endParaRPr>
+          </a:p>
+          <a:p>
+            <a:pPr algn="l"/>
+            <a:r>
+              <a:rPr lang="en-US" altLang="ko-KR" sz="1800" dirty="0">
+                <a:latin typeface="HY헤드라인M" panose="02030600000101010101" pitchFamily="18" charset="-127"/>
+                <a:ea typeface="HY헤드라인M" panose="02030600000101010101" pitchFamily="18" charset="-127"/>
+              </a:rPr>
+              <a:t>- </a:t>
+            </a:r>
+            <a:r>
+              <a:rPr lang="ko-KR" altLang="en-US" sz="1800" dirty="0">
+                <a:latin typeface="HY헤드라인M" panose="02030600000101010101" pitchFamily="18" charset="-127"/>
+                <a:ea typeface="HY헤드라인M" panose="02030600000101010101" pitchFamily="18" charset="-127"/>
+              </a:rPr>
+              <a:t>구체적인 </a:t>
+            </a:r>
+            <a:r>
+              <a:rPr lang="en-US" altLang="ko-KR" sz="1800" dirty="0">
+                <a:latin typeface="HY헤드라인M" panose="02030600000101010101" pitchFamily="18" charset="-127"/>
+                <a:ea typeface="HY헤드라인M" panose="02030600000101010101" pitchFamily="18" charset="-127"/>
+              </a:rPr>
+              <a:t>SLAM</a:t>
+            </a:r>
+            <a:r>
+              <a:rPr lang="ko-KR" altLang="en-US" sz="1800" dirty="0">
+                <a:latin typeface="HY헤드라인M" panose="02030600000101010101" pitchFamily="18" charset="-127"/>
+                <a:ea typeface="HY헤드라인M" panose="02030600000101010101" pitchFamily="18" charset="-127"/>
+              </a:rPr>
+              <a:t>의 알고리즘은 추후에 분석</a:t>
+            </a:r>
+            <a:endParaRPr lang="en-US" altLang="ko-KR" sz="1800" dirty="0">
+              <a:latin typeface="HY헤드라인M" panose="02030600000101010101" pitchFamily="18" charset="-127"/>
+              <a:ea typeface="HY헤드라인M" panose="02030600000101010101" pitchFamily="18" charset="-127"/>
+            </a:endParaRPr>
+          </a:p>
+        </p:txBody>
+      </p:sp>
+      <p:sp>
+        <p:nvSpPr>
+          <p:cNvPr id="5" name="제목 1">
+            <a:extLst>
+              <a:ext uri="{FF2B5EF4-FFF2-40B4-BE49-F238E27FC236}">
+                <a16:creationId xmlns:a16="http://schemas.microsoft.com/office/drawing/2014/main" id="{BAF4BE3B-8510-4B3D-9CBC-85A7ED17208A}"/>
+              </a:ext>
+            </a:extLst>
+          </p:cNvPr>
+          <p:cNvSpPr txBox="1">
+            <a:spLocks/>
+          </p:cNvSpPr>
+          <p:nvPr/>
+        </p:nvSpPr>
+        <p:spPr>
+          <a:xfrm>
+            <a:off x="93578" y="524861"/>
+            <a:ext cx="10178260" cy="318782"/>
+          </a:xfrm>
+          <a:prstGeom prst="rect">
+            <a:avLst/>
+          </a:prstGeom>
+        </p:spPr>
+        <p:txBody>
+          <a:bodyPr vert="horz" lIns="91440" tIns="45720" rIns="91440" bIns="45720" rtlCol="0" anchor="b">
+            <a:noAutofit/>
+          </a:bodyPr>
+          <a:lstStyle>
+            <a:lvl1pPr algn="ctr" defTabSz="914400" rtl="0" eaLnBrk="1" latinLnBrk="0" hangingPunct="1">
+              <a:lnSpc>
+                <a:spcPct val="90000"/>
+              </a:lnSpc>
+              <a:spcBef>
+                <a:spcPct val="0"/>
+              </a:spcBef>
+              <a:buNone/>
+              <a:defRPr sz="6000" kern="1200">
+                <a:solidFill>
+                  <a:schemeClr val="tx1"/>
+                </a:solidFill>
+                <a:latin typeface="+mj-lt"/>
+                <a:ea typeface="+mj-ea"/>
+                <a:cs typeface="+mj-cs"/>
+              </a:defRPr>
+            </a:lvl1pPr>
+          </a:lstStyle>
+          <a:p>
+            <a:pPr algn="l"/>
+            <a:r>
+              <a:rPr lang="en-US" altLang="ko-KR" sz="1800" dirty="0">
+                <a:latin typeface="HY헤드라인M" panose="02030600000101010101" pitchFamily="18" charset="-127"/>
+                <a:ea typeface="HY헤드라인M" panose="02030600000101010101" pitchFamily="18" charset="-127"/>
+              </a:rPr>
+              <a:t>Simultaneous Localization And Mapping </a:t>
+            </a:r>
+          </a:p>
+        </p:txBody>
+      </p:sp>
+      <p:pic>
+        <p:nvPicPr>
+          <p:cNvPr id="1026" name="Picture 2" descr="세계지도, 세상 다르게 보기">
+            <a:extLst>
+              <a:ext uri="{FF2B5EF4-FFF2-40B4-BE49-F238E27FC236}">
+                <a16:creationId xmlns:a16="http://schemas.microsoft.com/office/drawing/2014/main" id="{61317428-1BD2-4249-AE88-6A48C1774940}"/>
+              </a:ext>
+            </a:extLst>
+          </p:cNvPr>
+          <p:cNvPicPr>
+            <a:picLocks noChangeAspect="1" noChangeArrowheads="1"/>
+          </p:cNvPicPr>
+          <p:nvPr/>
+        </p:nvPicPr>
+        <p:blipFill>
+          <a:blip r:embed="rId2">
+            <a:extLst>
+              <a:ext uri="{28A0092B-C50C-407E-A947-70E740481C1C}">
+                <a14:useLocalDpi xmlns:a14="http://schemas.microsoft.com/office/drawing/2010/main" val="0"/>
+              </a:ext>
+            </a:extLst>
+          </a:blip>
+          <a:srcRect/>
+          <a:stretch>
+            <a:fillRect/>
+          </a:stretch>
+        </p:blipFill>
+        <p:spPr bwMode="auto">
+          <a:xfrm>
+            <a:off x="2670015" y="1083372"/>
+            <a:ext cx="2657475" cy="1724025"/>
+          </a:xfrm>
+          <a:prstGeom prst="rect">
+            <a:avLst/>
+          </a:prstGeom>
+          <a:noFill/>
+          <a:extLst>
+            <a:ext uri="{909E8E84-426E-40DD-AFC4-6F175D3DCCD1}">
+              <a14:hiddenFill xmlns:a14="http://schemas.microsoft.com/office/drawing/2010/main">
+                <a:solidFill>
+                  <a:srgbClr val="FFFFFF"/>
+                </a:solidFill>
+              </a14:hiddenFill>
+            </a:ext>
+          </a:extLst>
+        </p:spPr>
+      </p:pic>
+      <p:pic>
+        <p:nvPicPr>
+          <p:cNvPr id="1032" name="Picture 8" descr="고급 전문가용 나침반">
+            <a:extLst>
+              <a:ext uri="{FF2B5EF4-FFF2-40B4-BE49-F238E27FC236}">
+                <a16:creationId xmlns:a16="http://schemas.microsoft.com/office/drawing/2014/main" id="{ED51D77A-F19E-413F-AE59-A52FDA9D68F8}"/>
+              </a:ext>
+            </a:extLst>
+          </p:cNvPr>
+          <p:cNvPicPr>
+            <a:picLocks noChangeAspect="1" noChangeArrowheads="1"/>
+          </p:cNvPicPr>
+          <p:nvPr/>
+        </p:nvPicPr>
+        <p:blipFill>
+          <a:blip r:embed="rId3">
+            <a:extLst>
+              <a:ext uri="{28A0092B-C50C-407E-A947-70E740481C1C}">
+                <a14:useLocalDpi xmlns:a14="http://schemas.microsoft.com/office/drawing/2010/main" val="0"/>
+              </a:ext>
+            </a:extLst>
+          </a:blip>
+          <a:srcRect/>
+          <a:stretch>
+            <a:fillRect/>
+          </a:stretch>
+        </p:blipFill>
+        <p:spPr bwMode="auto">
+          <a:xfrm>
+            <a:off x="6016811" y="843643"/>
+            <a:ext cx="2143125" cy="2143125"/>
+          </a:xfrm>
+          <a:prstGeom prst="rect">
+            <a:avLst/>
+          </a:prstGeom>
+          <a:noFill/>
+          <a:extLst>
+            <a:ext uri="{909E8E84-426E-40DD-AFC4-6F175D3DCCD1}">
+              <a14:hiddenFill xmlns:a14="http://schemas.microsoft.com/office/drawing/2010/main">
+                <a:solidFill>
+                  <a:srgbClr val="FFFFFF"/>
+                </a:solidFill>
+              </a14:hiddenFill>
+            </a:ext>
+          </a:extLst>
+        </p:spPr>
+      </p:pic>
+    </p:spTree>
+    <p:extLst>
+      <p:ext uri="{BB962C8B-B14F-4D97-AF65-F5344CB8AC3E}">
+        <p14:creationId xmlns:p14="http://schemas.microsoft.com/office/powerpoint/2010/main" val="3015043745"/>
+      </p:ext>
+    </p:extLst>
+  </p:cSld>
+  <p:clrMapOvr>
+    <a:masterClrMapping/>
+  </p:clrMapOvr>
+</p:sld>
+</file>
+
+<file path=ppt/slides/slide11.xml><?xml version="1.0" encoding="utf-8"?>
+<p:sld xmlns:a="http://schemas.openxmlformats.org/drawingml/2006/main" xmlns:r="http://schemas.openxmlformats.org/officeDocument/2006/relationships" xmlns:p="http://schemas.openxmlformats.org/presentationml/2006/main">
+  <p:cSld>
+    <p:spTree>
+      <p:nvGrpSpPr>
+        <p:cNvPr id="1" name=""/>
+        <p:cNvGrpSpPr/>
+        <p:nvPr/>
+      </p:nvGrpSpPr>
+      <p:grpSpPr>
+        <a:xfrm>
+          <a:off x="0" y="0"/>
+          <a:ext cx="0" cy="0"/>
+          <a:chOff x="0" y="0"/>
+          <a:chExt cx="0" cy="0"/>
+        </a:xfrm>
+      </p:grpSpPr>
+      <p:sp>
+        <p:nvSpPr>
+          <p:cNvPr id="9" name="TextBox 8">
+            <a:extLst>
+              <a:ext uri="{FF2B5EF4-FFF2-40B4-BE49-F238E27FC236}">
+                <a16:creationId xmlns:a16="http://schemas.microsoft.com/office/drawing/2014/main" id="{C009E09A-A4DC-4705-B2CA-CC9EAE6B17AA}"/>
+              </a:ext>
+            </a:extLst>
+          </p:cNvPr>
+          <p:cNvSpPr txBox="1"/>
+          <p:nvPr/>
+        </p:nvSpPr>
+        <p:spPr>
+          <a:xfrm>
+            <a:off x="93578" y="74363"/>
+            <a:ext cx="11846467" cy="492443"/>
+          </a:xfrm>
+          <a:prstGeom prst="rect">
+            <a:avLst/>
+          </a:prstGeom>
+          <a:noFill/>
+        </p:spPr>
+        <p:txBody>
+          <a:bodyPr wrap="square" rtlCol="0">
+            <a:spAutoFit/>
+          </a:bodyPr>
+          <a:lstStyle/>
+          <a:p>
+            <a:r>
+              <a:rPr kumimoji="1" lang="en-US" altLang="ko-Kore-KR" sz="2600" b="1" dirty="0">
+                <a:solidFill>
+                  <a:schemeClr val="accent4">
+                    <a:lumMod val="75000"/>
+                  </a:schemeClr>
+                </a:solidFill>
+                <a:latin typeface="Arial Black" panose="020B0604020202020204" pitchFamily="34" charset="0"/>
+                <a:ea typeface="NanumSquareOTF ExtraBold" panose="020B0600000101010101" pitchFamily="34" charset="-127"/>
+                <a:cs typeface="Arial Black" panose="020B0604020202020204" pitchFamily="34" charset="0"/>
+              </a:rPr>
+              <a:t>What is </a:t>
+            </a:r>
+            <a:r>
+              <a:rPr kumimoji="1" lang="en-US" altLang="ko-Kore-KR" sz="2600" b="1" dirty="0" err="1">
+                <a:solidFill>
+                  <a:schemeClr val="accent4">
+                    <a:lumMod val="75000"/>
+                  </a:schemeClr>
+                </a:solidFill>
+                <a:latin typeface="Arial Black" panose="020B0604020202020204" pitchFamily="34" charset="0"/>
+                <a:ea typeface="NanumSquareOTF ExtraBold" panose="020B0600000101010101" pitchFamily="34" charset="-127"/>
+                <a:cs typeface="Arial Black" panose="020B0604020202020204" pitchFamily="34" charset="0"/>
+              </a:rPr>
+              <a:t>tf</a:t>
+            </a:r>
+            <a:r>
+              <a:rPr kumimoji="1" lang="en-US" altLang="ko-Kore-KR" sz="2600" b="1" dirty="0">
+                <a:solidFill>
+                  <a:schemeClr val="accent4">
+                    <a:lumMod val="75000"/>
+                  </a:schemeClr>
+                </a:solidFill>
+                <a:latin typeface="Arial Black" panose="020B0604020202020204" pitchFamily="34" charset="0"/>
+                <a:ea typeface="NanumSquareOTF ExtraBold" panose="020B0600000101010101" pitchFamily="34" charset="-127"/>
+                <a:cs typeface="Arial Black" panose="020B0604020202020204" pitchFamily="34" charset="0"/>
+              </a:rPr>
+              <a:t>?</a:t>
+            </a:r>
+          </a:p>
+        </p:txBody>
+      </p:sp>
+      <p:sp>
+        <p:nvSpPr>
+          <p:cNvPr id="144" name="제목 1">
+            <a:extLst>
+              <a:ext uri="{FF2B5EF4-FFF2-40B4-BE49-F238E27FC236}">
+                <a16:creationId xmlns:a16="http://schemas.microsoft.com/office/drawing/2014/main" id="{068DB9FA-E6E1-4AB4-969C-F4EB90D84770}"/>
+              </a:ext>
+            </a:extLst>
+          </p:cNvPr>
+          <p:cNvSpPr txBox="1">
+            <a:spLocks/>
+          </p:cNvSpPr>
+          <p:nvPr/>
+        </p:nvSpPr>
+        <p:spPr>
+          <a:xfrm>
+            <a:off x="11621509" y="45499"/>
+            <a:ext cx="514589" cy="320261"/>
+          </a:xfrm>
+          <a:prstGeom prst="rect">
+            <a:avLst/>
+          </a:prstGeom>
+        </p:spPr>
+        <p:txBody>
+          <a:bodyPr vert="horz" lIns="91440" tIns="45720" rIns="91440" bIns="45720" rtlCol="0" anchor="b">
+            <a:noAutofit/>
+          </a:bodyPr>
+          <a:lstStyle>
+            <a:lvl1pPr algn="ctr" defTabSz="914400" rtl="0" eaLnBrk="1" latinLnBrk="0" hangingPunct="1">
+              <a:lnSpc>
+                <a:spcPct val="90000"/>
+              </a:lnSpc>
+              <a:spcBef>
+                <a:spcPct val="0"/>
+              </a:spcBef>
+              <a:buNone/>
+              <a:defRPr sz="6000" kern="1200">
+                <a:solidFill>
+                  <a:schemeClr val="tx1"/>
+                </a:solidFill>
+                <a:latin typeface="+mj-lt"/>
+                <a:ea typeface="+mj-ea"/>
+                <a:cs typeface="+mj-cs"/>
+              </a:defRPr>
+            </a:lvl1pPr>
+          </a:lstStyle>
+          <a:p>
+            <a:r>
+              <a:rPr lang="en-US" altLang="ko-KR" sz="1400" dirty="0">
+                <a:latin typeface="HY헤드라인M" panose="02030600000101010101" pitchFamily="18" charset="-127"/>
+                <a:ea typeface="HY헤드라인M" panose="02030600000101010101" pitchFamily="18" charset="-127"/>
+              </a:rPr>
+              <a:t>1/9</a:t>
+            </a:r>
+            <a:endParaRPr lang="ko-KR" altLang="en-US" sz="1400" dirty="0">
+              <a:latin typeface="HY헤드라인M" panose="02030600000101010101" pitchFamily="18" charset="-127"/>
+              <a:ea typeface="HY헤드라인M" panose="02030600000101010101" pitchFamily="18" charset="-127"/>
+            </a:endParaRPr>
+          </a:p>
+        </p:txBody>
+      </p:sp>
+      <p:sp>
+        <p:nvSpPr>
+          <p:cNvPr id="30" name="제목 1">
+            <a:extLst>
+              <a:ext uri="{FF2B5EF4-FFF2-40B4-BE49-F238E27FC236}">
+                <a16:creationId xmlns:a16="http://schemas.microsoft.com/office/drawing/2014/main" id="{56E41040-F174-464B-94E4-619278E6F938}"/>
+              </a:ext>
+            </a:extLst>
+          </p:cNvPr>
+          <p:cNvSpPr txBox="1">
+            <a:spLocks/>
+          </p:cNvSpPr>
+          <p:nvPr/>
+        </p:nvSpPr>
+        <p:spPr>
+          <a:xfrm>
             <a:off x="1120766" y="1663701"/>
             <a:ext cx="11729130" cy="3143688"/>
           </a:xfrm>
@@ -4581,7 +4994,7 @@
 </p:sld>
 </file>
 
-<file path=ppt/slides/slide11.xml><?xml version="1.0" encoding="utf-8"?>
+<file path=ppt/slides/slide12.xml><?xml version="1.0" encoding="utf-8"?>
 <p:sld xmlns:a="http://schemas.openxmlformats.org/drawingml/2006/main" xmlns:r="http://schemas.openxmlformats.org/officeDocument/2006/relationships" xmlns:p="http://schemas.openxmlformats.org/presentationml/2006/main">
   <p:cSld>
     <p:spTree>
@@ -6266,7 +6679,7 @@
 </p:sld>
 </file>
 
-<file path=ppt/slides/slide12.xml><?xml version="1.0" encoding="utf-8"?>
+<file path=ppt/slides/slide13.xml><?xml version="1.0" encoding="utf-8"?>
 <p:sld xmlns:a="http://schemas.openxmlformats.org/drawingml/2006/main" xmlns:r="http://schemas.openxmlformats.org/officeDocument/2006/relationships" xmlns:p="http://schemas.openxmlformats.org/presentationml/2006/main">
   <p:cSld>
     <p:spTree>
@@ -8841,7 +9254,7 @@
         </p:nvSpPr>
         <p:spPr>
           <a:xfrm>
-            <a:off x="93578" y="74363"/>
+            <a:off x="174763" y="66352"/>
             <a:ext cx="11846467" cy="492443"/>
           </a:xfrm>
           <a:prstGeom prst="rect">
@@ -26145,7 +26558,7 @@
         </p:nvSpPr>
         <p:spPr>
           <a:xfrm>
-            <a:off x="308942" y="-220945"/>
+            <a:off x="251955" y="394624"/>
             <a:ext cx="11729130" cy="3534009"/>
           </a:xfrm>
           <a:prstGeom prst="rect">
@@ -26177,8 +26590,8 @@
           </a:lstStyle>
           <a:p>
             <a:pPr marL="285750" indent="-285750" algn="l">
-              <a:buFontTx/>
-              <a:buChar char="-"/>
+              <a:buFont typeface="Arial" panose="020B0604020202020204" pitchFamily="34" charset="0"/>
+              <a:buChar char="•"/>
             </a:pPr>
             <a:r>
               <a:rPr lang="en-US" altLang="ko-KR" sz="1400" dirty="0" err="1">
@@ -26225,73 +26638,16 @@
           </a:p>
           <a:p>
             <a:pPr marL="285750" indent="-285750" algn="l">
-              <a:buFontTx/>
-              <a:buChar char="-"/>
+              <a:buFont typeface="Arial" panose="020B0604020202020204" pitchFamily="34" charset="0"/>
+              <a:buChar char="•"/>
             </a:pPr>
-            <a:r>
-              <a:rPr lang="en-US" altLang="ko-KR" sz="1400" dirty="0" err="1">
-                <a:latin typeface="HY헤드라인M" panose="02030600000101010101" pitchFamily="18" charset="-127"/>
-                <a:ea typeface="HY헤드라인M" panose="02030600000101010101" pitchFamily="18" charset="-127"/>
-              </a:rPr>
-              <a:t>roscd</a:t>
-            </a:r>
-            <a:r>
-              <a:rPr lang="en-US" altLang="ko-KR" sz="1400" dirty="0">
-                <a:latin typeface="HY헤드라인M" panose="02030600000101010101" pitchFamily="18" charset="-127"/>
-                <a:ea typeface="HY헤드라인M" panose="02030600000101010101" pitchFamily="18" charset="-127"/>
-              </a:rPr>
-              <a:t> </a:t>
-            </a:r>
-          </a:p>
-          <a:p>
-            <a:pPr marL="285750" indent="-285750" algn="l">
-              <a:buFontTx/>
-              <a:buChar char="-"/>
-            </a:pPr>
-            <a:r>
-              <a:rPr lang="en-US" altLang="ko-KR" sz="1400" dirty="0" err="1">
-                <a:latin typeface="HY헤드라인M" panose="02030600000101010101" pitchFamily="18" charset="-127"/>
-                <a:ea typeface="HY헤드라인M" panose="02030600000101010101" pitchFamily="18" charset="-127"/>
-              </a:rPr>
-              <a:t>ros</a:t>
-            </a:r>
-            <a:r>
-              <a:rPr lang="en-US" altLang="ko-KR" sz="1400" dirty="0">
-                <a:latin typeface="HY헤드라인M" panose="02030600000101010101" pitchFamily="18" charset="-127"/>
-                <a:ea typeface="HY헤드라인M" panose="02030600000101010101" pitchFamily="18" charset="-127"/>
-              </a:rPr>
-              <a:t> ls</a:t>
-            </a:r>
-          </a:p>
-          <a:p>
-            <a:pPr marL="285750" indent="-285750" algn="l">
-              <a:buFontTx/>
-              <a:buChar char="-"/>
-            </a:pPr>
-            <a:r>
-              <a:rPr lang="en-US" altLang="ko-KR" sz="1400" dirty="0" err="1">
-                <a:latin typeface="HY헤드라인M" panose="02030600000101010101" pitchFamily="18" charset="-127"/>
-                <a:ea typeface="HY헤드라인M" panose="02030600000101010101" pitchFamily="18" charset="-127"/>
-              </a:rPr>
-              <a:t>rosed</a:t>
-            </a:r>
             <a:endParaRPr lang="en-US" altLang="ko-KR" sz="1400" dirty="0">
               <a:latin typeface="HY헤드라인M" panose="02030600000101010101" pitchFamily="18" charset="-127"/>
               <a:ea typeface="HY헤드라인M" panose="02030600000101010101" pitchFamily="18" charset="-127"/>
             </a:endParaRPr>
           </a:p>
           <a:p>
-            <a:pPr marL="285750" indent="-285750" algn="l">
-              <a:buFontTx/>
-              <a:buChar char="-"/>
-            </a:pPr>
-            <a:r>
-              <a:rPr lang="en-US" altLang="ko-KR" sz="1400" dirty="0" err="1">
-                <a:latin typeface="HY헤드라인M" panose="02030600000101010101" pitchFamily="18" charset="-127"/>
-                <a:ea typeface="HY헤드라인M" panose="02030600000101010101" pitchFamily="18" charset="-127"/>
-              </a:rPr>
-              <a:t>rospack</a:t>
-            </a:r>
+            <a:pPr algn="l"/>
             <a:endParaRPr lang="en-US" altLang="ko-KR" sz="1400" dirty="0">
               <a:latin typeface="HY헤드라인M" panose="02030600000101010101" pitchFamily="18" charset="-127"/>
               <a:ea typeface="HY헤드라인M" panose="02030600000101010101" pitchFamily="18" charset="-127"/>
@@ -26299,14 +26655,28 @@
           </a:p>
           <a:p>
             <a:pPr marL="285750" indent="-285750" algn="l">
-              <a:buFontTx/>
-              <a:buChar char="-"/>
+              <a:buFont typeface="Arial" panose="020B0604020202020204" pitchFamily="34" charset="0"/>
+              <a:buChar char="•"/>
             </a:pPr>
             <a:r>
               <a:rPr lang="en-US" altLang="ko-KR" sz="1400" dirty="0" err="1">
                 <a:latin typeface="HY헤드라인M" panose="02030600000101010101" pitchFamily="18" charset="-127"/>
                 <a:ea typeface="HY헤드라인M" panose="02030600000101010101" pitchFamily="18" charset="-127"/>
               </a:rPr>
+              <a:t>roscd</a:t>
+            </a:r>
+            <a:r>
+              <a:rPr lang="en-US" altLang="ko-KR" sz="1400" dirty="0">
+                <a:latin typeface="HY헤드라인M" panose="02030600000101010101" pitchFamily="18" charset="-127"/>
+                <a:ea typeface="HY헤드라인M" panose="02030600000101010101" pitchFamily="18" charset="-127"/>
+              </a:rPr>
+              <a:t> : </a:t>
+            </a:r>
+            <a:r>
+              <a:rPr lang="en-US" altLang="ko-KR" sz="1400" dirty="0" err="1">
+                <a:latin typeface="HY헤드라인M" panose="02030600000101010101" pitchFamily="18" charset="-127"/>
+                <a:ea typeface="HY헤드라인M" panose="02030600000101010101" pitchFamily="18" charset="-127"/>
+              </a:rPr>
               <a:t>ros</a:t>
             </a:r>
             <a:r>
@@ -26314,25 +26684,172 @@
                 <a:latin typeface="HY헤드라인M" panose="02030600000101010101" pitchFamily="18" charset="-127"/>
                 <a:ea typeface="HY헤드라인M" panose="02030600000101010101" pitchFamily="18" charset="-127"/>
               </a:rPr>
-              <a:t> param</a:t>
+              <a:t> + cd (changed directory in ROS workspace)</a:t>
             </a:r>
           </a:p>
           <a:p>
             <a:pPr marL="285750" indent="-285750" algn="l">
-              <a:buFontTx/>
-              <a:buChar char="-"/>
+              <a:buFont typeface="Arial" panose="020B0604020202020204" pitchFamily="34" charset="0"/>
+              <a:buChar char="•"/>
             </a:pPr>
-            <a:r>
-              <a:rPr lang="en-US" altLang="ko-KR" sz="1400" dirty="0" err="1">
-                <a:latin typeface="HY헤드라인M" panose="02030600000101010101" pitchFamily="18" charset="-127"/>
-                <a:ea typeface="HY헤드라인M" panose="02030600000101010101" pitchFamily="18" charset="-127"/>
-              </a:rPr>
-              <a:t>rosdep</a:t>
-            </a:r>
             <a:endParaRPr lang="en-US" altLang="ko-KR" sz="1400" dirty="0">
               <a:latin typeface="HY헤드라인M" panose="02030600000101010101" pitchFamily="18" charset="-127"/>
               <a:ea typeface="HY헤드라인M" panose="02030600000101010101" pitchFamily="18" charset="-127"/>
             </a:endParaRPr>
+          </a:p>
+          <a:p>
+            <a:pPr marL="285750" indent="-285750" algn="l">
+              <a:buFont typeface="Arial" panose="020B0604020202020204" pitchFamily="34" charset="0"/>
+              <a:buChar char="•"/>
+            </a:pPr>
+            <a:r>
+              <a:rPr lang="en-US" altLang="ko-KR" sz="1400" dirty="0" err="1">
+                <a:latin typeface="HY헤드라인M" panose="02030600000101010101" pitchFamily="18" charset="-127"/>
+                <a:ea typeface="HY헤드라인M" panose="02030600000101010101" pitchFamily="18" charset="-127"/>
+              </a:rPr>
+              <a:t>ros</a:t>
+            </a:r>
+            <a:r>
+              <a:rPr lang="en-US" altLang="ko-KR" sz="1400" dirty="0">
+                <a:latin typeface="HY헤드라인M" panose="02030600000101010101" pitchFamily="18" charset="-127"/>
+                <a:ea typeface="HY헤드라인M" panose="02030600000101010101" pitchFamily="18" charset="-127"/>
+              </a:rPr>
+              <a:t> ls : </a:t>
+            </a:r>
+            <a:r>
+              <a:rPr lang="en-US" altLang="ko-KR" sz="1400" dirty="0" err="1">
+                <a:latin typeface="HY헤드라인M" panose="02030600000101010101" pitchFamily="18" charset="-127"/>
+                <a:ea typeface="HY헤드라인M" panose="02030600000101010101" pitchFamily="18" charset="-127"/>
+              </a:rPr>
+              <a:t>ros</a:t>
+            </a:r>
+            <a:r>
+              <a:rPr lang="en-US" altLang="ko-KR" sz="1400" dirty="0">
+                <a:latin typeface="HY헤드라인M" panose="02030600000101010101" pitchFamily="18" charset="-127"/>
+                <a:ea typeface="HY헤드라인M" panose="02030600000101010101" pitchFamily="18" charset="-127"/>
+              </a:rPr>
+              <a:t> + ls (list in ROS workspace)</a:t>
+            </a:r>
+          </a:p>
+          <a:p>
+            <a:pPr marL="285750" indent="-285750" algn="l">
+              <a:buFont typeface="Arial" panose="020B0604020202020204" pitchFamily="34" charset="0"/>
+              <a:buChar char="•"/>
+            </a:pPr>
+            <a:endParaRPr lang="en-US" altLang="ko-KR" sz="1400" dirty="0">
+              <a:latin typeface="HY헤드라인M" panose="02030600000101010101" pitchFamily="18" charset="-127"/>
+              <a:ea typeface="HY헤드라인M" panose="02030600000101010101" pitchFamily="18" charset="-127"/>
+            </a:endParaRPr>
+          </a:p>
+          <a:p>
+            <a:pPr marL="285750" indent="-285750" algn="l">
+              <a:buFont typeface="Arial" panose="020B0604020202020204" pitchFamily="34" charset="0"/>
+              <a:buChar char="•"/>
+            </a:pPr>
+            <a:r>
+              <a:rPr lang="en-US" altLang="ko-KR" sz="1400" dirty="0" err="1">
+                <a:latin typeface="HY헤드라인M" panose="02030600000101010101" pitchFamily="18" charset="-127"/>
+                <a:ea typeface="HY헤드라인M" panose="02030600000101010101" pitchFamily="18" charset="-127"/>
+              </a:rPr>
+              <a:t>Rosed</a:t>
+            </a:r>
+            <a:r>
+              <a:rPr lang="en-US" altLang="ko-KR" sz="1400" dirty="0">
+                <a:latin typeface="HY헤드라인M" panose="02030600000101010101" pitchFamily="18" charset="-127"/>
+                <a:ea typeface="HY헤드라인M" panose="02030600000101010101" pitchFamily="18" charset="-127"/>
+              </a:rPr>
+              <a:t> :</a:t>
+            </a:r>
+          </a:p>
+          <a:p>
+            <a:pPr marL="285750" indent="-285750" algn="l">
+              <a:buFont typeface="Arial" panose="020B0604020202020204" pitchFamily="34" charset="0"/>
+              <a:buChar char="•"/>
+            </a:pPr>
+            <a:endParaRPr lang="en-US" altLang="ko-KR" sz="1400" dirty="0">
+              <a:latin typeface="HY헤드라인M" panose="02030600000101010101" pitchFamily="18" charset="-127"/>
+              <a:ea typeface="HY헤드라인M" panose="02030600000101010101" pitchFamily="18" charset="-127"/>
+            </a:endParaRPr>
+          </a:p>
+          <a:p>
+            <a:pPr marL="285750" indent="-285750" algn="l">
+              <a:buFont typeface="Arial" panose="020B0604020202020204" pitchFamily="34" charset="0"/>
+              <a:buChar char="•"/>
+            </a:pPr>
+            <a:r>
+              <a:rPr lang="en-US" altLang="ko-KR" sz="1400" dirty="0" err="1">
+                <a:latin typeface="HY헤드라인M" panose="02030600000101010101" pitchFamily="18" charset="-127"/>
+                <a:ea typeface="HY헤드라인M" panose="02030600000101010101" pitchFamily="18" charset="-127"/>
+              </a:rPr>
+              <a:t>Rospack</a:t>
+            </a:r>
+            <a:r>
+              <a:rPr lang="en-US" altLang="ko-KR" sz="1400" dirty="0">
+                <a:latin typeface="HY헤드라인M" panose="02030600000101010101" pitchFamily="18" charset="-127"/>
+                <a:ea typeface="HY헤드라인M" panose="02030600000101010101" pitchFamily="18" charset="-127"/>
+              </a:rPr>
+              <a:t> : </a:t>
+            </a:r>
+          </a:p>
+          <a:p>
+            <a:pPr marL="285750" indent="-285750" algn="l">
+              <a:buFont typeface="Arial" panose="020B0604020202020204" pitchFamily="34" charset="0"/>
+              <a:buChar char="•"/>
+            </a:pPr>
+            <a:endParaRPr lang="en-US" altLang="ko-KR" sz="1400" dirty="0">
+              <a:latin typeface="HY헤드라인M" panose="02030600000101010101" pitchFamily="18" charset="-127"/>
+              <a:ea typeface="HY헤드라인M" panose="02030600000101010101" pitchFamily="18" charset="-127"/>
+            </a:endParaRPr>
+          </a:p>
+          <a:p>
+            <a:pPr marL="285750" indent="-285750" algn="l">
+              <a:buFont typeface="Arial" panose="020B0604020202020204" pitchFamily="34" charset="0"/>
+              <a:buChar char="•"/>
+            </a:pPr>
+            <a:r>
+              <a:rPr lang="en-US" altLang="ko-KR" sz="1400" dirty="0" err="1">
+                <a:latin typeface="HY헤드라인M" panose="02030600000101010101" pitchFamily="18" charset="-127"/>
+                <a:ea typeface="HY헤드라인M" panose="02030600000101010101" pitchFamily="18" charset="-127"/>
+              </a:rPr>
+              <a:t>ros</a:t>
+            </a:r>
+            <a:r>
+              <a:rPr lang="en-US" altLang="ko-KR" sz="1400" dirty="0">
+                <a:latin typeface="HY헤드라인M" panose="02030600000101010101" pitchFamily="18" charset="-127"/>
+                <a:ea typeface="HY헤드라인M" panose="02030600000101010101" pitchFamily="18" charset="-127"/>
+              </a:rPr>
+              <a:t> param :</a:t>
+            </a:r>
+          </a:p>
+          <a:p>
+            <a:pPr marL="285750" indent="-285750" algn="l">
+              <a:buFont typeface="Arial" panose="020B0604020202020204" pitchFamily="34" charset="0"/>
+              <a:buChar char="•"/>
+            </a:pPr>
+            <a:endParaRPr lang="en-US" altLang="ko-KR" sz="1400" dirty="0">
+              <a:latin typeface="HY헤드라인M" panose="02030600000101010101" pitchFamily="18" charset="-127"/>
+              <a:ea typeface="HY헤드라인M" panose="02030600000101010101" pitchFamily="18" charset="-127"/>
+            </a:endParaRPr>
+          </a:p>
+          <a:p>
+            <a:pPr marL="285750" indent="-285750" algn="l">
+              <a:buFont typeface="Arial" panose="020B0604020202020204" pitchFamily="34" charset="0"/>
+              <a:buChar char="•"/>
+            </a:pPr>
+            <a:r>
+              <a:rPr lang="en-US" altLang="ko-KR" sz="1400" dirty="0" err="1">
+                <a:latin typeface="HY헤드라인M" panose="02030600000101010101" pitchFamily="18" charset="-127"/>
+                <a:ea typeface="HY헤드라인M" panose="02030600000101010101" pitchFamily="18" charset="-127"/>
+              </a:rPr>
+              <a:t>Rosdep</a:t>
+            </a:r>
+            <a:r>
+              <a:rPr lang="en-US" altLang="ko-KR" sz="1400" dirty="0">
+                <a:latin typeface="HY헤드라인M" panose="02030600000101010101" pitchFamily="18" charset="-127"/>
+                <a:ea typeface="HY헤드라인M" panose="02030600000101010101" pitchFamily="18" charset="-127"/>
+              </a:rPr>
+              <a:t> :</a:t>
+            </a:r>
           </a:p>
         </p:txBody>
       </p:sp>
@@ -28239,7 +28756,7 @@
         </p:nvSpPr>
         <p:spPr>
           <a:xfrm>
-            <a:off x="930266" y="1143001"/>
+            <a:off x="93578" y="6646179"/>
             <a:ext cx="11729130" cy="1568888"/>
           </a:xfrm>
           <a:prstGeom prst="rect">
@@ -28348,6 +28865,350 @@
           </a:p>
         </p:txBody>
       </p:sp>
+      <p:sp>
+        <p:nvSpPr>
+          <p:cNvPr id="5" name="제목 1">
+            <a:extLst>
+              <a:ext uri="{FF2B5EF4-FFF2-40B4-BE49-F238E27FC236}">
+                <a16:creationId xmlns:a16="http://schemas.microsoft.com/office/drawing/2014/main" id="{BAF4BE3B-8510-4B3D-9CBC-85A7ED17208A}"/>
+              </a:ext>
+            </a:extLst>
+          </p:cNvPr>
+          <p:cNvSpPr txBox="1">
+            <a:spLocks/>
+          </p:cNvSpPr>
+          <p:nvPr/>
+        </p:nvSpPr>
+        <p:spPr>
+          <a:xfrm>
+            <a:off x="93578" y="524861"/>
+            <a:ext cx="10178260" cy="318782"/>
+          </a:xfrm>
+          <a:prstGeom prst="rect">
+            <a:avLst/>
+          </a:prstGeom>
+        </p:spPr>
+        <p:txBody>
+          <a:bodyPr vert="horz" lIns="91440" tIns="45720" rIns="91440" bIns="45720" rtlCol="0" anchor="b">
+            <a:noAutofit/>
+          </a:bodyPr>
+          <a:lstStyle>
+            <a:lvl1pPr algn="ctr" defTabSz="914400" rtl="0" eaLnBrk="1" latinLnBrk="0" hangingPunct="1">
+              <a:lnSpc>
+                <a:spcPct val="90000"/>
+              </a:lnSpc>
+              <a:spcBef>
+                <a:spcPct val="0"/>
+              </a:spcBef>
+              <a:buNone/>
+              <a:defRPr sz="6000" kern="1200">
+                <a:solidFill>
+                  <a:schemeClr val="tx1"/>
+                </a:solidFill>
+                <a:latin typeface="+mj-lt"/>
+                <a:ea typeface="+mj-ea"/>
+                <a:cs typeface="+mj-cs"/>
+              </a:defRPr>
+            </a:lvl1pPr>
+          </a:lstStyle>
+          <a:p>
+            <a:pPr algn="l"/>
+            <a:r>
+              <a:rPr lang="en-US" altLang="ko-KR" sz="1800" dirty="0">
+                <a:latin typeface="HY헤드라인M" panose="02030600000101010101" pitchFamily="18" charset="-127"/>
+                <a:ea typeface="HY헤드라인M" panose="02030600000101010101" pitchFamily="18" charset="-127"/>
+              </a:rPr>
+              <a:t>Simultaneous Localization And Mapping </a:t>
+            </a:r>
+          </a:p>
+        </p:txBody>
+      </p:sp>
+      <p:pic>
+        <p:nvPicPr>
+          <p:cNvPr id="2" name="그림 1">
+            <a:extLst>
+              <a:ext uri="{FF2B5EF4-FFF2-40B4-BE49-F238E27FC236}">
+                <a16:creationId xmlns:a16="http://schemas.microsoft.com/office/drawing/2014/main" id="{9E676298-1C18-4E2C-9CCE-EB6F1A79DCB0}"/>
+              </a:ext>
+            </a:extLst>
+          </p:cNvPr>
+          <p:cNvPicPr>
+            <a:picLocks noChangeAspect="1"/>
+          </p:cNvPicPr>
+          <p:nvPr/>
+        </p:nvPicPr>
+        <p:blipFill>
+          <a:blip r:embed="rId2"/>
+          <a:stretch>
+            <a:fillRect/>
+          </a:stretch>
+        </p:blipFill>
+        <p:spPr>
+          <a:xfrm>
+            <a:off x="251668" y="1110473"/>
+            <a:ext cx="2860647" cy="2557927"/>
+          </a:xfrm>
+          <a:prstGeom prst="rect">
+            <a:avLst/>
+          </a:prstGeom>
+        </p:spPr>
+      </p:pic>
+      <p:pic>
+        <p:nvPicPr>
+          <p:cNvPr id="1032" name="Picture 8" descr="고급 전문가용 나침반">
+            <a:extLst>
+              <a:ext uri="{FF2B5EF4-FFF2-40B4-BE49-F238E27FC236}">
+                <a16:creationId xmlns:a16="http://schemas.microsoft.com/office/drawing/2014/main" id="{ED51D77A-F19E-413F-AE59-A52FDA9D68F8}"/>
+              </a:ext>
+            </a:extLst>
+          </p:cNvPr>
+          <p:cNvPicPr>
+            <a:picLocks noChangeAspect="1" noChangeArrowheads="1"/>
+          </p:cNvPicPr>
+          <p:nvPr/>
+        </p:nvPicPr>
+        <p:blipFill>
+          <a:blip r:embed="rId3">
+            <a:extLst>
+              <a:ext uri="{28A0092B-C50C-407E-A947-70E740481C1C}">
+                <a14:useLocalDpi xmlns:a14="http://schemas.microsoft.com/office/drawing/2010/main" val="0"/>
+              </a:ext>
+            </a:extLst>
+          </a:blip>
+          <a:srcRect/>
+          <a:stretch>
+            <a:fillRect/>
+          </a:stretch>
+        </p:blipFill>
+        <p:spPr bwMode="auto">
+          <a:xfrm>
+            <a:off x="7241603" y="1216256"/>
+            <a:ext cx="2143125" cy="2143125"/>
+          </a:xfrm>
+          <a:prstGeom prst="rect">
+            <a:avLst/>
+          </a:prstGeom>
+          <a:noFill/>
+          <a:extLst>
+            <a:ext uri="{909E8E84-426E-40DD-AFC4-6F175D3DCCD1}">
+              <a14:hiddenFill xmlns:a14="http://schemas.microsoft.com/office/drawing/2010/main">
+                <a:solidFill>
+                  <a:srgbClr val="FFFFFF"/>
+                </a:solidFill>
+              </a14:hiddenFill>
+            </a:ext>
+          </a:extLst>
+        </p:spPr>
+      </p:pic>
+      <p:sp>
+        <p:nvSpPr>
+          <p:cNvPr id="15" name="제목 1">
+            <a:extLst>
+              <a:ext uri="{FF2B5EF4-FFF2-40B4-BE49-F238E27FC236}">
+                <a16:creationId xmlns:a16="http://schemas.microsoft.com/office/drawing/2014/main" id="{8BF36DCF-DC3F-44BC-AD89-2E7AEA496D1C}"/>
+              </a:ext>
+            </a:extLst>
+          </p:cNvPr>
+          <p:cNvSpPr txBox="1">
+            <a:spLocks/>
+          </p:cNvSpPr>
+          <p:nvPr/>
+        </p:nvSpPr>
+        <p:spPr>
+          <a:xfrm>
+            <a:off x="118745" y="801707"/>
+            <a:ext cx="10178260" cy="255860"/>
+          </a:xfrm>
+          <a:prstGeom prst="rect">
+            <a:avLst/>
+          </a:prstGeom>
+        </p:spPr>
+        <p:txBody>
+          <a:bodyPr vert="horz" lIns="91440" tIns="45720" rIns="91440" bIns="45720" rtlCol="0" anchor="b">
+            <a:noAutofit/>
+          </a:bodyPr>
+          <a:lstStyle>
+            <a:lvl1pPr algn="ctr" defTabSz="914400" rtl="0" eaLnBrk="1" latinLnBrk="0" hangingPunct="1">
+              <a:lnSpc>
+                <a:spcPct val="90000"/>
+              </a:lnSpc>
+              <a:spcBef>
+                <a:spcPct val="0"/>
+              </a:spcBef>
+              <a:buNone/>
+              <a:defRPr sz="6000" kern="1200">
+                <a:solidFill>
+                  <a:schemeClr val="tx1"/>
+                </a:solidFill>
+                <a:latin typeface="+mj-lt"/>
+                <a:ea typeface="+mj-ea"/>
+                <a:cs typeface="+mj-cs"/>
+              </a:defRPr>
+            </a:lvl1pPr>
+          </a:lstStyle>
+          <a:p>
+            <a:pPr algn="l"/>
+            <a:r>
+              <a:rPr lang="en-US" altLang="ko-KR" sz="1200" dirty="0">
+                <a:latin typeface="HY헤드라인M" panose="02030600000101010101" pitchFamily="18" charset="-127"/>
+                <a:ea typeface="HY헤드라인M" panose="02030600000101010101" pitchFamily="18" charset="-127"/>
+              </a:rPr>
+              <a:t>You need map, compass to go somewhere.</a:t>
+            </a:r>
+          </a:p>
+        </p:txBody>
+      </p:sp>
+      <p:cxnSp>
+        <p:nvCxnSpPr>
+          <p:cNvPr id="4" name="연결선: 구부러짐 3">
+            <a:extLst>
+              <a:ext uri="{FF2B5EF4-FFF2-40B4-BE49-F238E27FC236}">
+                <a16:creationId xmlns:a16="http://schemas.microsoft.com/office/drawing/2014/main" id="{3106A47A-8C23-40DD-BEE6-D374E82DDC02}"/>
+              </a:ext>
+            </a:extLst>
+          </p:cNvPr>
+          <p:cNvCxnSpPr>
+            <a:cxnSpLocks/>
+          </p:cNvCxnSpPr>
+          <p:nvPr/>
+        </p:nvCxnSpPr>
+        <p:spPr>
+          <a:xfrm rot="10800000" flipV="1">
+            <a:off x="2197916" y="2716842"/>
+            <a:ext cx="2224987" cy="614071"/>
+          </a:xfrm>
+          <a:prstGeom prst="curvedConnector3">
+            <a:avLst>
+              <a:gd name="adj1" fmla="val 46607"/>
+            </a:avLst>
+          </a:prstGeom>
+          <a:ln>
+            <a:solidFill>
+              <a:schemeClr val="tx1"/>
+            </a:solidFill>
+            <a:tailEnd type="triangle"/>
+          </a:ln>
+        </p:spPr>
+        <p:style>
+          <a:lnRef idx="1">
+            <a:schemeClr val="accent1"/>
+          </a:lnRef>
+          <a:fillRef idx="0">
+            <a:schemeClr val="accent1"/>
+          </a:fillRef>
+          <a:effectRef idx="0">
+            <a:schemeClr val="accent1"/>
+          </a:effectRef>
+          <a:fontRef idx="minor">
+            <a:schemeClr val="tx1"/>
+          </a:fontRef>
+        </p:style>
+      </p:cxnSp>
+      <p:sp>
+        <p:nvSpPr>
+          <p:cNvPr id="22" name="제목 1">
+            <a:extLst>
+              <a:ext uri="{FF2B5EF4-FFF2-40B4-BE49-F238E27FC236}">
+                <a16:creationId xmlns:a16="http://schemas.microsoft.com/office/drawing/2014/main" id="{3D585F5E-194E-4A72-A86E-669D37F642C9}"/>
+              </a:ext>
+            </a:extLst>
+          </p:cNvPr>
+          <p:cNvSpPr txBox="1">
+            <a:spLocks/>
+          </p:cNvSpPr>
+          <p:nvPr/>
+        </p:nvSpPr>
+        <p:spPr>
+          <a:xfrm>
+            <a:off x="68412" y="3874581"/>
+            <a:ext cx="10178260" cy="255860"/>
+          </a:xfrm>
+          <a:prstGeom prst="rect">
+            <a:avLst/>
+          </a:prstGeom>
+        </p:spPr>
+        <p:txBody>
+          <a:bodyPr vert="horz" lIns="91440" tIns="45720" rIns="91440" bIns="45720" rtlCol="0" anchor="b">
+            <a:noAutofit/>
+          </a:bodyPr>
+          <a:lstStyle>
+            <a:lvl1pPr algn="ctr" defTabSz="914400" rtl="0" eaLnBrk="1" latinLnBrk="0" hangingPunct="1">
+              <a:lnSpc>
+                <a:spcPct val="90000"/>
+              </a:lnSpc>
+              <a:spcBef>
+                <a:spcPct val="0"/>
+              </a:spcBef>
+              <a:buNone/>
+              <a:defRPr sz="6000" kern="1200">
+                <a:solidFill>
+                  <a:schemeClr val="tx1"/>
+                </a:solidFill>
+                <a:latin typeface="+mj-lt"/>
+                <a:ea typeface="+mj-ea"/>
+                <a:cs typeface="+mj-cs"/>
+              </a:defRPr>
+            </a:lvl1pPr>
+          </a:lstStyle>
+          <a:p>
+            <a:pPr algn="l"/>
+            <a:r>
+              <a:rPr lang="en-US" altLang="ko-KR" sz="1200" dirty="0">
+                <a:latin typeface="HY헤드라인M" panose="02030600000101010101" pitchFamily="18" charset="-127"/>
+                <a:ea typeface="HY헤드라인M" panose="02030600000101010101" pitchFamily="18" charset="-127"/>
+              </a:rPr>
+              <a:t>When applied to robots, SLAM acts as a map and navigation acts as a compass</a:t>
+            </a:r>
+          </a:p>
+        </p:txBody>
+      </p:sp>
+      <p:pic>
+        <p:nvPicPr>
+          <p:cNvPr id="1042" name="Picture 18" descr="Giving LaMa a shot">
+            <a:extLst>
+              <a:ext uri="{FF2B5EF4-FFF2-40B4-BE49-F238E27FC236}">
+                <a16:creationId xmlns:a16="http://schemas.microsoft.com/office/drawing/2014/main" id="{E8292B37-E9C6-483B-9939-8FFA207D1430}"/>
+              </a:ext>
+            </a:extLst>
+          </p:cNvPr>
+          <p:cNvPicPr>
+            <a:picLocks noChangeAspect="1" noChangeArrowheads="1"/>
+          </p:cNvPicPr>
+          <p:nvPr/>
+        </p:nvPicPr>
+        <p:blipFill>
+          <a:blip r:embed="rId4">
+            <a:extLst>
+              <a:ext uri="{28A0092B-C50C-407E-A947-70E740481C1C}">
+                <a14:useLocalDpi xmlns:a14="http://schemas.microsoft.com/office/drawing/2010/main" val="0"/>
+              </a:ext>
+            </a:extLst>
+          </a:blip>
+          <a:srcRect/>
+          <a:stretch>
+            <a:fillRect/>
+          </a:stretch>
+        </p:blipFill>
+        <p:spPr bwMode="auto">
+          <a:xfrm>
+            <a:off x="1954634" y="4299786"/>
+            <a:ext cx="4412476" cy="2033353"/>
+          </a:xfrm>
+          <a:prstGeom prst="rect">
+            <a:avLst/>
+          </a:prstGeom>
+          <a:noFill/>
+          <a:extLst>
+            <a:ext uri="{909E8E84-426E-40DD-AFC4-6F175D3DCCD1}">
+              <a14:hiddenFill xmlns:a14="http://schemas.microsoft.com/office/drawing/2010/main">
+                <a:solidFill>
+                  <a:srgbClr val="FFFFFF"/>
+                </a:solidFill>
+              </a14:hiddenFill>
+            </a:ext>
+          </a:extLst>
+        </p:spPr>
+      </p:pic>
     </p:spTree>
     <p:extLst>
       <p:ext uri="{BB962C8B-B14F-4D97-AF65-F5344CB8AC3E}">
